--- a/econ-115-lecture-1.pptx
+++ b/econ-115-lecture-1.pptx
@@ -62,7 +62,6 @@
     <p:sldId id="307" r:id="rId59"/>
     <p:sldId id="308" r:id="rId60"/>
     <p:sldId id="309" r:id="rId61"/>
-    <p:sldId id="310" r:id="rId62"/>
   </p:sldIdLst>
   <p:sldSz cx="9144000" cy="6858000"/>
   <p:notesSz cx="6858000" cy="9144000"/>
@@ -2164,7 +2163,7 @@
               </a:defRPr>
             </a:pPr>
             <a:r>
-              <a:t>&lt;&lt;</a:t>
+              <a:t>&lt;</a:t>
             </a:r>
             <a:r>
               <a:rPr u="sng">
@@ -11731,280 +11730,6 @@
               </a:spcBef>
               <a:defRPr sz="1600"/>
             </a:pPr>
-          </a:p>
-        </p:txBody>
-      </p:sp>
-    </p:spTree>
-  </p:cSld>
-  <p:clrMapOvr>
-    <a:masterClrMapping/>
-  </p:clrMapOvr>
-  <p:transition xmlns:p14="http://schemas.microsoft.com/office/powerpoint/2010/main" spd="med" advClick="1"/>
-</p:sld>
-</file>
-
-<file path=ppt/slides/slide55.xml><?xml version="1.0" encoding="utf-8"?>
-<p:sld xmlns:a="http://schemas.openxmlformats.org/drawingml/2006/main" xmlns:r="http://schemas.openxmlformats.org/officeDocument/2006/relationships" xmlns:p="http://schemas.openxmlformats.org/presentationml/2006/main" xmlns:m="http://schemas.openxmlformats.org/officeDocument/2006/math" xmlns:a14="http://schemas.microsoft.com/office/drawing/2010/main" showMasterSp="1" showMasterPhAnim="1">
-  <p:cSld>
-    <p:spTree>
-      <p:nvGrpSpPr>
-        <p:cNvPr id="1" name=""/>
-        <p:cNvGrpSpPr/>
-        <p:nvPr/>
-      </p:nvGrpSpPr>
-      <p:grpSpPr>
-        <a:xfrm>
-          <a:off x="0" y="0"/>
-          <a:ext cx="0" cy="0"/>
-          <a:chOff x="0" y="0"/>
-          <a:chExt cx="0" cy="0"/>
-        </a:xfrm>
-      </p:grpSpPr>
-      <p:sp>
-        <p:nvSpPr>
-          <p:cNvPr id="201" name="Lecture Organization"/>
-          <p:cNvSpPr txBox="1"/>
-          <p:nvPr>
-            <p:ph type="title" idx="4294967295"/>
-          </p:nvPr>
-        </p:nvSpPr>
-        <p:spPr>
-          <a:xfrm>
-            <a:off x="277663" y="-1"/>
-            <a:ext cx="8572501" cy="1267124"/>
-          </a:xfrm>
-          <a:prstGeom prst="rect">
-            <a:avLst/>
-          </a:prstGeom>
-        </p:spPr>
-        <p:txBody>
-          <a:bodyPr>
-            <a:normAutofit fontScale="100000" lnSpcReduction="0"/>
-          </a:bodyPr>
-          <a:lstStyle>
-            <a:lvl1pPr>
-              <a:defRPr sz="6000">
-                <a:latin typeface="+mj-lt"/>
-                <a:ea typeface="+mj-ea"/>
-                <a:cs typeface="+mj-cs"/>
-                <a:sym typeface="Helvetica"/>
-              </a:defRPr>
-            </a:lvl1pPr>
-          </a:lstStyle>
-          <a:p>
-            <a:pPr>
-              <a:defRPr>
-                <a:latin typeface="+mn-lt"/>
-                <a:ea typeface="+mn-ea"/>
-                <a:cs typeface="+mn-cs"/>
-                <a:sym typeface="Calibri"/>
-              </a:defRPr>
-            </a:pPr>
-            <a:r>
-              <a:rPr>
-                <a:latin typeface="+mj-lt"/>
-                <a:ea typeface="+mj-ea"/>
-                <a:cs typeface="+mj-cs"/>
-                <a:sym typeface="Helvetica"/>
-              </a:rPr>
-              <a:t>Lecture Organization</a:t>
-            </a:r>
-          </a:p>
-        </p:txBody>
-      </p:sp>
-      <p:sp>
-        <p:nvSpPr>
-          <p:cNvPr id="202" name="80 minutes is too long: I will try to keep you awake by dividing the lecture, fairly rigidly, into bite-sized chunks…"/>
-          <p:cNvSpPr txBox="1"/>
-          <p:nvPr>
-            <p:ph type="body" idx="4294967295"/>
-          </p:nvPr>
-        </p:nvSpPr>
-        <p:spPr>
-          <a:xfrm>
-            <a:off x="277663" y="1267122"/>
-            <a:ext cx="8572501" cy="5397501"/>
-          </a:xfrm>
-          <a:prstGeom prst="rect">
-            <a:avLst/>
-          </a:prstGeom>
-        </p:spPr>
-        <p:txBody>
-          <a:bodyPr>
-            <a:normAutofit fontScale="100000" lnSpcReduction="0"/>
-          </a:bodyPr>
-          <a:lstStyle/>
-          <a:p>
-            <a:pPr marL="0" indent="0" defTabSz="402336">
-              <a:spcBef>
-                <a:spcPts val="1000"/>
-              </a:spcBef>
-              <a:buSzTx/>
-              <a:buFontTx/>
-              <a:buNone/>
-              <a:defRPr b="1" sz="2112">
-                <a:latin typeface="+mj-lt"/>
-                <a:ea typeface="+mj-ea"/>
-                <a:cs typeface="+mj-cs"/>
-                <a:sym typeface="Helvetica"/>
-              </a:defRPr>
-            </a:pPr>
-            <a:r>
-              <a:t>80 minutes is too long: I will try to keep you awake by dividing the lecture, fairly rigidly, into bite-sized chunks</a:t>
-            </a:r>
-          </a:p>
-          <a:p>
-            <a:pPr marL="211755" indent="-211755" defTabSz="402336">
-              <a:spcBef>
-                <a:spcPts val="1000"/>
-              </a:spcBef>
-              <a:buFontTx/>
-              <a:defRPr sz="2112">
-                <a:latin typeface="Times New Roman"/>
-                <a:ea typeface="Times New Roman"/>
-                <a:cs typeface="Times New Roman"/>
-                <a:sym typeface="Times New Roman"/>
-              </a:defRPr>
-            </a:pPr>
-            <a:r>
-              <a:t>17:10-20: Q&amp;A…</a:t>
-            </a:r>
-          </a:p>
-          <a:p>
-            <a:pPr marL="211755" indent="-211755" defTabSz="402336">
-              <a:spcBef>
-                <a:spcPts val="1000"/>
-              </a:spcBef>
-              <a:buFontTx/>
-              <a:defRPr sz="2112">
-                <a:latin typeface="Times New Roman"/>
-                <a:ea typeface="Times New Roman"/>
-                <a:cs typeface="Times New Roman"/>
-                <a:sym typeface="Times New Roman"/>
-              </a:defRPr>
-            </a:pPr>
-            <a:r>
-              <a:t>17:20-30: Takeaways from the reading…</a:t>
-            </a:r>
-          </a:p>
-          <a:p>
-            <a:pPr marL="211755" indent="-211755" defTabSz="402336">
-              <a:spcBef>
-                <a:spcPts val="1000"/>
-              </a:spcBef>
-              <a:buFontTx/>
-              <a:defRPr sz="2112">
-                <a:latin typeface="Times New Roman"/>
-                <a:ea typeface="Times New Roman"/>
-                <a:cs typeface="Times New Roman"/>
-                <a:sym typeface="Times New Roman"/>
-              </a:defRPr>
-            </a:pPr>
-            <a:r>
-              <a:t>17:30-40: Course organization…</a:t>
-            </a:r>
-          </a:p>
-          <a:p>
-            <a:pPr marL="211755" indent="-211755" defTabSz="402336">
-              <a:spcBef>
-                <a:spcPts val="1000"/>
-              </a:spcBef>
-              <a:buFontTx/>
-              <a:defRPr sz="2112">
-                <a:latin typeface="Times New Roman"/>
-                <a:ea typeface="Times New Roman"/>
-                <a:cs typeface="Times New Roman"/>
-                <a:sym typeface="Times New Roman"/>
-              </a:defRPr>
-            </a:pPr>
-            <a:r>
-              <a:t>17:40-50: Document…</a:t>
-            </a:r>
-          </a:p>
-          <a:p>
-            <a:pPr marL="211755" indent="-211755" defTabSz="402336">
-              <a:spcBef>
-                <a:spcPts val="1000"/>
-              </a:spcBef>
-              <a:buFontTx/>
-              <a:defRPr sz="2112">
-                <a:latin typeface="Times New Roman"/>
-                <a:ea typeface="Times New Roman"/>
-                <a:cs typeface="Times New Roman"/>
-                <a:sym typeface="Times New Roman"/>
-              </a:defRPr>
-            </a:pPr>
-            <a:r>
-              <a:t>17:50-18:00: Reinforcement learning—things we have covered in the past…</a:t>
-            </a:r>
-          </a:p>
-          <a:p>
-            <a:pPr marL="211755" indent="-211755" defTabSz="402336">
-              <a:spcBef>
-                <a:spcPts val="1000"/>
-              </a:spcBef>
-              <a:buFontTx/>
-              <a:defRPr sz="2112">
-                <a:latin typeface="Times New Roman"/>
-                <a:ea typeface="Times New Roman"/>
-                <a:cs typeface="Times New Roman"/>
-                <a:sym typeface="Times New Roman"/>
-              </a:defRPr>
-            </a:pPr>
-            <a:r>
-              <a:t>18:00-10: Q&amp;A…</a:t>
-            </a:r>
-          </a:p>
-          <a:p>
-            <a:pPr marL="211755" indent="-211755" defTabSz="402336">
-              <a:spcBef>
-                <a:spcPts val="1000"/>
-              </a:spcBef>
-              <a:buFontTx/>
-              <a:defRPr sz="2112">
-                <a:latin typeface="Times New Roman"/>
-                <a:ea typeface="Times New Roman"/>
-                <a:cs typeface="Times New Roman"/>
-                <a:sym typeface="Times New Roman"/>
-              </a:defRPr>
-            </a:pPr>
-            <a:r>
-              <a:t>18:10-20: Takeaways from the reading…</a:t>
-            </a:r>
-          </a:p>
-          <a:p>
-            <a:pPr marL="211755" indent="-211755" defTabSz="402336">
-              <a:spcBef>
-                <a:spcPts val="1000"/>
-              </a:spcBef>
-              <a:buFontTx/>
-              <a:defRPr sz="2112">
-                <a:latin typeface="Times New Roman"/>
-                <a:ea typeface="Times New Roman"/>
-                <a:cs typeface="Times New Roman"/>
-                <a:sym typeface="Times New Roman"/>
-              </a:defRPr>
-            </a:pPr>
-            <a:r>
-              <a:t>18:20-25: What about the chapter is unconvincing? How could it have been written better?</a:t>
-            </a:r>
-          </a:p>
-          <a:p>
-            <a:pPr marL="211755" indent="-211755" defTabSz="402336">
-              <a:spcBef>
-                <a:spcPts val="1000"/>
-              </a:spcBef>
-              <a:buFontTx/>
-              <a:defRPr sz="2112">
-                <a:latin typeface="Times New Roman"/>
-                <a:ea typeface="Times New Roman"/>
-                <a:cs typeface="Times New Roman"/>
-                <a:sym typeface="Times New Roman"/>
-              </a:defRPr>
-            </a:pPr>
-            <a:r>
-              <a:t>18:25-30: Preview…</a:t>
-            </a:r>
           </a:p>
         </p:txBody>
       </p:sp>

--- a/econ-115-lecture-1.pptx
+++ b/econ-115-lecture-1.pptx
@@ -8131,7 +8131,7 @@
       </p:sp>
       <p:sp>
         <p:nvSpPr>
-          <p:cNvPr id="152" name="Science reaches critical mass and from it springs engineering—all of the engineering subdisciplines, including the management of human resources and of organizations that is called sociology, and including that other form of social engineering that is called economics. From a liberal political order spring national and then the global market economy. And from engineering and the market then, over the course of 1870-2016, spring……"/>
+          <p:cNvPr id="152" name="Science reaches critical mass and from it springs engineering—all of the engineering subdisciplines, including the management of human resources and of organizations. From a liberal political order spring national and then the global market economy. And from engineering and the market then, over the course of 1870-2016, spring……"/>
           <p:cNvSpPr txBox="1"/>
           <p:nvPr>
             <p:ph type="body" idx="4294967295"/>
@@ -8152,14 +8152,14 @@
           </a:bodyPr>
           <a:lstStyle/>
           <a:p>
-            <a:pPr marL="0" indent="0" defTabSz="352043">
+            <a:pPr marL="0" indent="0" defTabSz="379475">
               <a:spcBef>
                 <a:spcPts val="900"/>
               </a:spcBef>
               <a:buSzTx/>
               <a:buFontTx/>
               <a:buNone/>
-              <a:defRPr b="1" sz="1848">
+              <a:defRPr b="1" sz="1992">
                 <a:latin typeface="+mj-lt"/>
                 <a:ea typeface="+mj-ea"/>
                 <a:cs typeface="+mj-cs"/>
@@ -8167,16 +8167,16 @@
               </a:defRPr>
             </a:pPr>
             <a:r>
-              <a:t>Science reaches critical mass and from it springs engineering—all of the engineering subdisciplines, including the management of human resources and of organizations that is called sociology, and including that other form of social engineering that is called economics. From a liberal political order spring national and then the global market economy. And from engineering and the market then, over the course of 1870-2016, spring…</a:t>
-            </a:r>
-          </a:p>
-          <a:p>
-            <a:pPr marL="185286" indent="-185286" defTabSz="352043">
+              <a:t>Science reaches critical mass and from it springs engineering—all of the engineering subdisciplines, including the management of human resources and of organizations. From a liberal political order spring national and then the global market economy. And from engineering and the market then, over the course of 1870-2016, spring…</a:t>
+            </a:r>
+          </a:p>
+          <a:p>
+            <a:pPr marL="199724" indent="-199724" defTabSz="379475">
               <a:spcBef>
                 <a:spcPts val="900"/>
               </a:spcBef>
               <a:buFontTx/>
-              <a:defRPr sz="1848">
+              <a:defRPr sz="1992">
                 <a:latin typeface="Times New Roman"/>
                 <a:ea typeface="Times New Roman"/>
                 <a:cs typeface="Times New Roman"/>
@@ -8188,12 +8188,12 @@
             </a:r>
           </a:p>
           <a:p>
-            <a:pPr marL="185286" indent="-185286" defTabSz="352043">
+            <a:pPr marL="199724" indent="-199724" defTabSz="379475">
               <a:spcBef>
                 <a:spcPts val="900"/>
               </a:spcBef>
               <a:buFontTx/>
-              <a:defRPr sz="1848">
+              <a:defRPr sz="1992">
                 <a:latin typeface="Times New Roman"/>
                 <a:ea typeface="Times New Roman"/>
                 <a:cs typeface="Times New Roman"/>
@@ -8205,12 +8205,12 @@
             </a:r>
           </a:p>
           <a:p>
-            <a:pPr marL="185286" indent="-185286" defTabSz="352043">
+            <a:pPr marL="199724" indent="-199724" defTabSz="379475">
               <a:spcBef>
                 <a:spcPts val="900"/>
               </a:spcBef>
               <a:buFontTx/>
-              <a:defRPr sz="1848">
+              <a:defRPr sz="1992">
                 <a:latin typeface="Times New Roman"/>
                 <a:ea typeface="Times New Roman"/>
                 <a:cs typeface="Times New Roman"/>
@@ -8222,12 +8222,12 @@
             </a:r>
           </a:p>
           <a:p>
-            <a:pPr marL="185286" indent="-185286" defTabSz="352043">
+            <a:pPr marL="199724" indent="-199724" defTabSz="379475">
               <a:spcBef>
                 <a:spcPts val="900"/>
               </a:spcBef>
               <a:buFontTx/>
-              <a:defRPr sz="1848">
+              <a:defRPr sz="1992">
                 <a:latin typeface="Times New Roman"/>
                 <a:ea typeface="Times New Roman"/>
                 <a:cs typeface="Times New Roman"/>
@@ -8239,12 +8239,12 @@
             </a:r>
           </a:p>
           <a:p>
-            <a:pPr marL="185286" indent="-185286" defTabSz="352043">
+            <a:pPr marL="199724" indent="-199724" defTabSz="379475">
               <a:spcBef>
                 <a:spcPts val="900"/>
               </a:spcBef>
               <a:buFontTx/>
-              <a:defRPr sz="1848">
+              <a:defRPr sz="1992">
                 <a:latin typeface="Times New Roman"/>
                 <a:ea typeface="Times New Roman"/>
                 <a:cs typeface="Times New Roman"/>
@@ -8256,12 +8256,12 @@
             </a:r>
           </a:p>
           <a:p>
-            <a:pPr marL="185286" indent="-185286" defTabSz="352043">
+            <a:pPr marL="199724" indent="-199724" defTabSz="379475">
               <a:spcBef>
                 <a:spcPts val="900"/>
               </a:spcBef>
               <a:buFontTx/>
-              <a:defRPr sz="1848">
+              <a:defRPr sz="1992">
                 <a:latin typeface="Times New Roman"/>
                 <a:ea typeface="Times New Roman"/>
                 <a:cs typeface="Times New Roman"/>
@@ -8273,12 +8273,12 @@
             </a:r>
           </a:p>
           <a:p>
-            <a:pPr marL="185286" indent="-185286" defTabSz="352043">
+            <a:pPr marL="199724" indent="-199724" defTabSz="379475">
               <a:spcBef>
                 <a:spcPts val="900"/>
               </a:spcBef>
               <a:buFontTx/>
-              <a:defRPr sz="1848">
+              <a:defRPr sz="1992">
                 <a:latin typeface="Times New Roman"/>
                 <a:ea typeface="Times New Roman"/>
                 <a:cs typeface="Times New Roman"/>
@@ -8290,12 +8290,12 @@
             </a:r>
           </a:p>
           <a:p>
-            <a:pPr marL="185286" indent="-185286" defTabSz="352043">
+            <a:pPr marL="199724" indent="-199724" defTabSz="379475">
               <a:spcBef>
                 <a:spcPts val="900"/>
               </a:spcBef>
               <a:buFontTx/>
-              <a:defRPr sz="1848">
+              <a:defRPr sz="1992">
                 <a:latin typeface="Times New Roman"/>
                 <a:ea typeface="Times New Roman"/>
                 <a:cs typeface="Times New Roman"/>
@@ -8307,12 +8307,12 @@
             </a:r>
           </a:p>
           <a:p>
-            <a:pPr marL="185286" indent="-185286" defTabSz="352043">
+            <a:pPr marL="199724" indent="-199724" defTabSz="379475">
               <a:spcBef>
                 <a:spcPts val="900"/>
               </a:spcBef>
               <a:buFontTx/>
-              <a:defRPr sz="1848">
+              <a:defRPr sz="1992">
                 <a:latin typeface="Times New Roman"/>
                 <a:ea typeface="Times New Roman"/>
                 <a:cs typeface="Times New Roman"/>

--- a/econ-115-lecture-1.pptx
+++ b/econ-115-lecture-1.pptx
@@ -2109,7 +2109,7 @@
               </a:defRPr>
             </a:pPr>
             <a:r>
-              <a:t>last revised: 2019-12-18</a:t>
+              <a:t>last revised: 2020-01-22</a:t>
             </a:r>
           </a:p>
           <a:p>
@@ -2140,22 +2140,6 @@
               <a:buFontTx/>
               <a:buNone/>
               <a:defRPr sz="1408">
-                <a:latin typeface="+mj-lt"/>
-                <a:ea typeface="+mj-ea"/>
-                <a:cs typeface="+mj-cs"/>
-                <a:sym typeface="Helvetica"/>
-              </a:defRPr>
-            </a:pPr>
-          </a:p>
-          <a:p>
-            <a:pPr marL="0" indent="0" algn="ctr" defTabSz="402336">
-              <a:spcBef>
-                <a:spcPts val="0"/>
-              </a:spcBef>
-              <a:buSzTx/>
-              <a:buFontTx/>
-              <a:buNone/>
-              <a:defRPr sz="1232">
                 <a:latin typeface="+mj-lt"/>
                 <a:ea typeface="+mj-ea"/>
                 <a:cs typeface="+mj-cs"/>
@@ -2176,6 +2160,42 @@
                   </a:solidFill>
                 </a:uFill>
                 <a:hlinkClick r:id="rId3" invalidUrl="" action="" tgtFrame="" tooltip="" history="1" highlightClick="0" endSnd="0"/>
+              </a:rPr>
+              <a:t>https://bcourses.berkeley.edu/courses/1487684</a:t>
+            </a:r>
+            <a:r>
+              <a:t>&gt;</a:t>
+            </a:r>
+          </a:p>
+          <a:p>
+            <a:pPr marL="0" indent="0" algn="ctr" defTabSz="402336">
+              <a:spcBef>
+                <a:spcPts val="0"/>
+              </a:spcBef>
+              <a:buSzTx/>
+              <a:buFontTx/>
+              <a:buNone/>
+              <a:defRPr sz="1232">
+                <a:latin typeface="+mj-lt"/>
+                <a:ea typeface="+mj-ea"/>
+                <a:cs typeface="+mj-cs"/>
+                <a:sym typeface="Helvetica"/>
+              </a:defRPr>
+            </a:pPr>
+            <a:r>
+              <a:t>&lt;</a:t>
+            </a:r>
+            <a:r>
+              <a:rPr u="sng">
+                <a:solidFill>
+                  <a:srgbClr val="0000FF"/>
+                </a:solidFill>
+                <a:uFill>
+                  <a:solidFill>
+                    <a:srgbClr val="0000FF"/>
+                  </a:solidFill>
+                </a:uFill>
+                <a:hlinkClick r:id="rId4" invalidUrl="" action="" tgtFrame="" tooltip="" history="1" highlightClick="0" endSnd="0"/>
               </a:rPr>
               <a:t>https://github.com/braddelong/public-files/blob/master/econ-115-lecture-1.pptx</a:t>
             </a:r>

--- a/econ-115-lecture-1.pptx
+++ b/econ-115-lecture-1.pptx
@@ -62,6 +62,7 @@
     <p:sldId id="307" r:id="rId59"/>
     <p:sldId id="308" r:id="rId60"/>
     <p:sldId id="309" r:id="rId61"/>
+    <p:sldId id="310" r:id="rId62"/>
   </p:sldIdLst>
   <p:sldSz cx="9144000" cy="6858000"/>
   <p:notesSz cx="6858000" cy="9144000"/>
@@ -12373,6 +12374,118 @@
       <p:pic>
         <p:nvPicPr>
           <p:cNvPr id="198" name="Image" descr="Image"/>
+          <p:cNvPicPr>
+            <a:picLocks noChangeAspect="1"/>
+          </p:cNvPicPr>
+          <p:nvPr/>
+        </p:nvPicPr>
+        <p:blipFill>
+          <a:blip r:embed="rId2">
+            <a:extLst/>
+          </a:blip>
+          <a:stretch>
+            <a:fillRect/>
+          </a:stretch>
+        </p:blipFill>
+        <p:spPr>
+          <a:xfrm>
+            <a:off x="4086457" y="1270000"/>
+            <a:ext cx="4762502" cy="4762500"/>
+          </a:xfrm>
+          <a:prstGeom prst="rect">
+            <a:avLst/>
+          </a:prstGeom>
+          <a:ln w="12700">
+            <a:miter lim="400000"/>
+          </a:ln>
+        </p:spPr>
+      </p:pic>
+    </p:spTree>
+  </p:cSld>
+  <p:clrMapOvr>
+    <a:masterClrMapping/>
+  </p:clrMapOvr>
+  <p:transition xmlns:p14="http://schemas.microsoft.com/office/powerpoint/2010/main" spd="med" advClick="1"/>
+</p:sld>
+</file>
+
+<file path=ppt/slides/slide55.xml><?xml version="1.0" encoding="utf-8"?>
+<p:sld xmlns:a="http://schemas.openxmlformats.org/drawingml/2006/main" xmlns:r="http://schemas.openxmlformats.org/officeDocument/2006/relationships" xmlns:p="http://schemas.openxmlformats.org/presentationml/2006/main" xmlns:m="http://schemas.openxmlformats.org/officeDocument/2006/math" xmlns:a14="http://schemas.microsoft.com/office/drawing/2010/main" showMasterSp="1" showMasterPhAnim="1">
+  <p:cSld>
+    <p:spTree>
+      <p:nvGrpSpPr>
+        <p:cNvPr id="1" name=""/>
+        <p:cNvGrpSpPr/>
+        <p:nvPr/>
+      </p:nvGrpSpPr>
+      <p:grpSpPr>
+        <a:xfrm>
+          <a:off x="0" y="0"/>
+          <a:ext cx="0" cy="0"/>
+          <a:chOff x="0" y="0"/>
+          <a:chExt cx="0" cy="0"/>
+        </a:xfrm>
+      </p:grpSpPr>
+      <p:sp>
+        <p:nvSpPr>
+          <p:cNvPr id="200" name="Catch Our Breath…"/>
+          <p:cNvSpPr txBox="1"/>
+          <p:nvPr>
+            <p:ph type="title"/>
+          </p:nvPr>
+        </p:nvSpPr>
+        <p:spPr>
+          <a:xfrm>
+            <a:off x="276457" y="-2"/>
+            <a:ext cx="8572501" cy="1270003"/>
+          </a:xfrm>
+          <a:prstGeom prst="rect">
+            <a:avLst/>
+          </a:prstGeom>
+        </p:spPr>
+        <p:txBody>
+          <a:bodyPr/>
+          <a:lstStyle/>
+          <a:p>
+            <a:pPr/>
+            <a:r>
+              <a:t>Notes</a:t>
+            </a:r>
+          </a:p>
+        </p:txBody>
+      </p:sp>
+      <p:sp>
+        <p:nvSpPr>
+          <p:cNvPr id="201" name="Ask a couple of questions?…"/>
+          <p:cNvSpPr txBox="1"/>
+          <p:nvPr>
+            <p:ph type="body" sz="half" idx="1"/>
+          </p:nvPr>
+        </p:nvSpPr>
+        <p:spPr>
+          <a:xfrm>
+            <a:off x="276456" y="1270000"/>
+            <a:ext cx="3810003" cy="4762500"/>
+          </a:xfrm>
+          <a:prstGeom prst="rect">
+            <a:avLst/>
+          </a:prstGeom>
+        </p:spPr>
+        <p:txBody>
+          <a:bodyPr anchor="t"/>
+          <a:lstStyle/>
+          <a:p>
+            <a:pPr>
+              <a:spcBef>
+                <a:spcPts val="1200"/>
+              </a:spcBef>
+            </a:pPr>
+          </a:p>
+        </p:txBody>
+      </p:sp>
+      <p:pic>
+        <p:nvPicPr>
+          <p:cNvPr id="202" name="Image" descr="Image"/>
           <p:cNvPicPr>
             <a:picLocks noChangeAspect="1"/>
           </p:cNvPicPr>
